--- a/Slides/23_09_23_WG_Meeting.pptx
+++ b/Slides/23_09_23_WG_Meeting.pptx
@@ -13390,7 +13390,7 @@
           <a:p>
             <a:pPr algn="l"/>
             <a:r>
-              <a:rPr lang="en-US" b="1" dirty="0" err="1">
+              <a:rPr lang="en-US" b="1" dirty="0">
                 <a:solidFill>
                   <a:schemeClr val="tx1"/>
                 </a:solidFill>
@@ -13427,17 +13427,79 @@
                   </a:extLst>
                 </a:hlinkClick>
               </a:rPr>
-              <a:t>https://</a:t>
-            </a:r>
-            <a:r>
-              <a:rPr lang="en-US" dirty="0" err="1">
+              <a:t>https://shorturl.at/ZofJ8</a:t>
+            </a:r>
+            <a:endParaRPr lang="en-US" dirty="0">
+              <a:solidFill>
+                <a:srgbClr val="0070C0"/>
+              </a:solidFill>
+              <a:latin typeface="Helvetica Neue" panose="02000503000000020004" pitchFamily="2" charset="0"/>
+              <a:ea typeface="Helvetica Neue" panose="02000503000000020004" pitchFamily="2" charset="0"/>
+              <a:cs typeface="Helvetica Neue" panose="02000503000000020004" pitchFamily="2" charset="0"/>
+            </a:endParaRPr>
+          </a:p>
+        </p:txBody>
+      </p:sp>
+      <p:sp>
+        <p:nvSpPr>
+          <p:cNvPr id="10" name="CasellaDiTesto 9">
+            <a:extLst>
+              <a:ext uri="{FF2B5EF4-FFF2-40B4-BE49-F238E27FC236}">
+                <a16:creationId xmlns:a16="http://schemas.microsoft.com/office/drawing/2014/main" id="{DEA374C2-D79F-813A-8A32-4ADA9AEB2B27}"/>
+              </a:ext>
+            </a:extLst>
+          </p:cNvPr>
+          <p:cNvSpPr txBox="1"/>
+          <p:nvPr/>
+        </p:nvSpPr>
+        <p:spPr>
+          <a:xfrm>
+            <a:off x="117762" y="5497657"/>
+            <a:ext cx="5816657" cy="369332"/>
+          </a:xfrm>
+          <a:prstGeom prst="rect">
+            <a:avLst/>
+          </a:prstGeom>
+          <a:noFill/>
+        </p:spPr>
+        <p:txBody>
+          <a:bodyPr wrap="none" rtlCol="0" anchor="ctr">
+            <a:spAutoFit/>
+          </a:bodyPr>
+          <a:lstStyle/>
+          <a:p>
+            <a:pPr algn="l"/>
+            <a:r>
+              <a:rPr lang="en-US" b="1" dirty="0">
+                <a:solidFill>
+                  <a:schemeClr val="tx1"/>
+                </a:solidFill>
+                <a:latin typeface="Helvetica Neue" panose="02000503000000020004" pitchFamily="2" charset="0"/>
+                <a:ea typeface="Helvetica Neue" panose="02000503000000020004" pitchFamily="2" charset="0"/>
+                <a:cs typeface="Helvetica Neue" panose="02000503000000020004" pitchFamily="2" charset="0"/>
+              </a:rPr>
+              <a:t>Github</a:t>
+            </a:r>
+            <a:r>
+              <a:rPr lang="en-US" dirty="0">
+                <a:solidFill>
+                  <a:schemeClr val="tx1"/>
+                </a:solidFill>
+                <a:latin typeface="Helvetica Neue" panose="02000503000000020004" pitchFamily="2" charset="0"/>
+                <a:ea typeface="Helvetica Neue" panose="02000503000000020004" pitchFamily="2" charset="0"/>
+                <a:cs typeface="Helvetica Neue" panose="02000503000000020004" pitchFamily="2" charset="0"/>
+              </a:rPr>
+              <a:t>: </a:t>
+            </a:r>
+            <a:r>
+              <a:rPr lang="en-US" dirty="0">
                 <a:solidFill>
                   <a:srgbClr val="0070C0"/>
                 </a:solidFill>
                 <a:latin typeface="Helvetica Neue" panose="02000503000000020004" pitchFamily="2" charset="0"/>
                 <a:ea typeface="Helvetica Neue" panose="02000503000000020004" pitchFamily="2" charset="0"/>
                 <a:cs typeface="Helvetica Neue" panose="02000503000000020004" pitchFamily="2" charset="0"/>
-                <a:hlinkClick r:id="rId4">
+                <a:hlinkClick r:id="rId5">
                   <a:extLst>
                     <a:ext uri="{A12FA001-AC4F-418D-AE19-62706E023703}">
                       <ahyp:hlinkClr xmlns:ahyp="http://schemas.microsoft.com/office/drawing/2018/hyperlinkcolor" val="tx"/>
@@ -13445,25 +13507,7 @@
                   </a:extLst>
                 </a:hlinkClick>
               </a:rPr>
-              <a:t>shorturl.at</a:t>
-            </a:r>
-            <a:r>
-              <a:rPr lang="en-US" dirty="0">
-                <a:solidFill>
-                  <a:srgbClr val="0070C0"/>
-                </a:solidFill>
-                <a:latin typeface="Helvetica Neue" panose="02000503000000020004" pitchFamily="2" charset="0"/>
-                <a:ea typeface="Helvetica Neue" panose="02000503000000020004" pitchFamily="2" charset="0"/>
-                <a:cs typeface="Helvetica Neue" panose="02000503000000020004" pitchFamily="2" charset="0"/>
-                <a:hlinkClick r:id="rId4">
-                  <a:extLst>
-                    <a:ext uri="{A12FA001-AC4F-418D-AE19-62706E023703}">
-                      <ahyp:hlinkClr xmlns:ahyp="http://schemas.microsoft.com/office/drawing/2018/hyperlinkcolor" val="tx"/>
-                    </a:ext>
-                  </a:extLst>
-                </a:hlinkClick>
-              </a:rPr>
-              <a:t>/ZofJ8</a:t>
+              <a:t>https://github.com/skowrons94/19F_pg_LUNA</a:t>
             </a:r>
             <a:endParaRPr lang="en-US" dirty="0">
               <a:solidFill>
